--- a/docs/diagrams/FindContactsByTagsSequenceDiagram.pptx
+++ b/docs/diagrams/FindContactsByTagsSequenceDiagram.pptx
@@ -265,7 +265,7 @@
           <a:p>
             <a:fld id="{1A54CE95-9158-4120-AF64-670BA59D47FF}" type="datetimeFigureOut">
               <a:rPr lang="en-SG" smtClean="0"/>
-              <a:t>12/11/2017</a:t>
+              <a:t>13/11/2017</a:t>
             </a:fld>
             <a:endParaRPr lang="en-SG"/>
           </a:p>
@@ -465,7 +465,7 @@
           <a:p>
             <a:fld id="{1A54CE95-9158-4120-AF64-670BA59D47FF}" type="datetimeFigureOut">
               <a:rPr lang="en-SG" smtClean="0"/>
-              <a:t>12/11/2017</a:t>
+              <a:t>13/11/2017</a:t>
             </a:fld>
             <a:endParaRPr lang="en-SG"/>
           </a:p>
@@ -675,7 +675,7 @@
           <a:p>
             <a:fld id="{1A54CE95-9158-4120-AF64-670BA59D47FF}" type="datetimeFigureOut">
               <a:rPr lang="en-SG" smtClean="0"/>
-              <a:t>12/11/2017</a:t>
+              <a:t>13/11/2017</a:t>
             </a:fld>
             <a:endParaRPr lang="en-SG"/>
           </a:p>
@@ -875,7 +875,7 @@
           <a:p>
             <a:fld id="{1A54CE95-9158-4120-AF64-670BA59D47FF}" type="datetimeFigureOut">
               <a:rPr lang="en-SG" smtClean="0"/>
-              <a:t>12/11/2017</a:t>
+              <a:t>13/11/2017</a:t>
             </a:fld>
             <a:endParaRPr lang="en-SG"/>
           </a:p>
@@ -1151,7 +1151,7 @@
           <a:p>
             <a:fld id="{1A54CE95-9158-4120-AF64-670BA59D47FF}" type="datetimeFigureOut">
               <a:rPr lang="en-SG" smtClean="0"/>
-              <a:t>12/11/2017</a:t>
+              <a:t>13/11/2017</a:t>
             </a:fld>
             <a:endParaRPr lang="en-SG"/>
           </a:p>
@@ -1419,7 +1419,7 @@
           <a:p>
             <a:fld id="{1A54CE95-9158-4120-AF64-670BA59D47FF}" type="datetimeFigureOut">
               <a:rPr lang="en-SG" smtClean="0"/>
-              <a:t>12/11/2017</a:t>
+              <a:t>13/11/2017</a:t>
             </a:fld>
             <a:endParaRPr lang="en-SG"/>
           </a:p>
@@ -1834,7 +1834,7 @@
           <a:p>
             <a:fld id="{1A54CE95-9158-4120-AF64-670BA59D47FF}" type="datetimeFigureOut">
               <a:rPr lang="en-SG" smtClean="0"/>
-              <a:t>12/11/2017</a:t>
+              <a:t>13/11/2017</a:t>
             </a:fld>
             <a:endParaRPr lang="en-SG"/>
           </a:p>
@@ -1976,7 +1976,7 @@
           <a:p>
             <a:fld id="{1A54CE95-9158-4120-AF64-670BA59D47FF}" type="datetimeFigureOut">
               <a:rPr lang="en-SG" smtClean="0"/>
-              <a:t>12/11/2017</a:t>
+              <a:t>13/11/2017</a:t>
             </a:fld>
             <a:endParaRPr lang="en-SG"/>
           </a:p>
@@ -2089,7 +2089,7 @@
           <a:p>
             <a:fld id="{1A54CE95-9158-4120-AF64-670BA59D47FF}" type="datetimeFigureOut">
               <a:rPr lang="en-SG" smtClean="0"/>
-              <a:t>12/11/2017</a:t>
+              <a:t>13/11/2017</a:t>
             </a:fld>
             <a:endParaRPr lang="en-SG"/>
           </a:p>
@@ -2402,7 +2402,7 @@
           <a:p>
             <a:fld id="{1A54CE95-9158-4120-AF64-670BA59D47FF}" type="datetimeFigureOut">
               <a:rPr lang="en-SG" smtClean="0"/>
-              <a:t>12/11/2017</a:t>
+              <a:t>13/11/2017</a:t>
             </a:fld>
             <a:endParaRPr lang="en-SG"/>
           </a:p>
@@ -2691,7 +2691,7 @@
           <a:p>
             <a:fld id="{1A54CE95-9158-4120-AF64-670BA59D47FF}" type="datetimeFigureOut">
               <a:rPr lang="en-SG" smtClean="0"/>
-              <a:t>12/11/2017</a:t>
+              <a:t>13/11/2017</a:t>
             </a:fld>
             <a:endParaRPr lang="en-SG"/>
           </a:p>
@@ -2934,7 +2934,7 @@
           <a:p>
             <a:fld id="{1A54CE95-9158-4120-AF64-670BA59D47FF}" type="datetimeFigureOut">
               <a:rPr lang="en-SG" smtClean="0"/>
-              <a:t>12/11/2017</a:t>
+              <a:t>13/11/2017</a:t>
             </a:fld>
             <a:endParaRPr lang="en-SG"/>
           </a:p>
@@ -3783,9 +3783,9 @@
           <p:nvPr/>
         </p:nvCxnSpPr>
         <p:spPr>
-          <a:xfrm>
-            <a:off x="5587408" y="1701784"/>
-            <a:ext cx="0" cy="3616836"/>
+          <a:xfrm flipH="1">
+            <a:off x="5587408" y="1701785"/>
+            <a:ext cx="19494" cy="3616835"/>
           </a:xfrm>
           <a:prstGeom prst="line">
             <a:avLst/>
@@ -3827,8 +3827,8 @@
         </p:nvSpPr>
         <p:spPr>
           <a:xfrm>
-            <a:off x="5523515" y="1701784"/>
-            <a:ext cx="127785" cy="1780017"/>
+            <a:off x="5523515" y="1701785"/>
+            <a:ext cx="166774" cy="1454182"/>
           </a:xfrm>
           <a:prstGeom prst="rect">
             <a:avLst/>
@@ -4726,8 +4726,8 @@
         </p:nvSpPr>
         <p:spPr>
           <a:xfrm>
-            <a:off x="7109146" y="3577735"/>
-            <a:ext cx="192443" cy="1343739"/>
+            <a:off x="7109147" y="3577736"/>
+            <a:ext cx="170886" cy="1234610"/>
           </a:xfrm>
           <a:prstGeom prst="rect">
             <a:avLst/>
@@ -4785,8 +4785,8 @@
         </p:nvCxnSpPr>
         <p:spPr>
           <a:xfrm>
-            <a:off x="1769035" y="3711910"/>
-            <a:ext cx="5315770" cy="45661"/>
+            <a:off x="1729316" y="3551326"/>
+            <a:ext cx="5366336" cy="71978"/>
           </a:xfrm>
           <a:prstGeom prst="straightConnector1">
             <a:avLst/>
@@ -5096,8 +5096,8 @@
         </p:nvSpPr>
         <p:spPr>
           <a:xfrm>
-            <a:off x="8953465" y="3728751"/>
-            <a:ext cx="1929098" cy="884182"/>
+            <a:off x="8781822" y="3395073"/>
+            <a:ext cx="2100741" cy="1217860"/>
           </a:xfrm>
           <a:prstGeom prst="roundRect">
             <a:avLst>
@@ -5554,8 +5554,8 @@
         </p:nvSpPr>
         <p:spPr>
           <a:xfrm>
-            <a:off x="10438587" y="4003134"/>
-            <a:ext cx="169083" cy="316421"/>
+            <a:off x="10438587" y="4056866"/>
+            <a:ext cx="169083" cy="262689"/>
           </a:xfrm>
           <a:prstGeom prst="rect">
             <a:avLst/>
@@ -5704,7 +5704,7 @@
         </p:nvCxnSpPr>
         <p:spPr>
           <a:xfrm>
-            <a:off x="9173082" y="4249754"/>
+            <a:off x="9173082" y="4274921"/>
             <a:ext cx="1242163" cy="0"/>
           </a:xfrm>
           <a:prstGeom prst="straightConnector1">
@@ -5793,8 +5793,8 @@
         </p:nvSpPr>
         <p:spPr>
           <a:xfrm>
-            <a:off x="8980637" y="3515365"/>
-            <a:ext cx="215787" cy="1343737"/>
+            <a:off x="8980637" y="3662186"/>
+            <a:ext cx="215787" cy="1071606"/>
           </a:xfrm>
           <a:prstGeom prst="rect">
             <a:avLst/>
@@ -5940,7 +5940,7 @@
         </p:nvSpPr>
         <p:spPr>
           <a:xfrm rot="10800000">
-            <a:off x="8980637" y="3749647"/>
+            <a:off x="8786774" y="3413472"/>
             <a:ext cx="442911" cy="226415"/>
           </a:xfrm>
           <a:prstGeom prst="flowChartPunchedCard">
@@ -5992,7 +5992,7 @@
         </p:nvSpPr>
         <p:spPr>
           <a:xfrm>
-            <a:off x="8950513" y="3722465"/>
+            <a:off x="8714554" y="3370094"/>
             <a:ext cx="454640" cy="261610"/>
           </a:xfrm>
           <a:prstGeom prst="rect">
